--- a/ppt 16-9/0988.握手.pptx
+++ b/ppt 16-9/0988.握手.pptx
@@ -129,7 +129,7 @@
           <p:cNvPr id="2" name="标题 1">
             <a:extLst>
               <a:ext uri="{FF2B5EF4-FFF2-40B4-BE49-F238E27FC236}">
-                <a16:creationId xmlns:a16="http://schemas.microsoft.com/office/drawing/2014/main" id="{222F663C-0F47-FBAE-2C9C-062C5D036B43}"/>
+                <a16:creationId xmlns:a16="http://schemas.microsoft.com/office/drawing/2014/main" id="{2F42BFC9-5AB0-FE8E-A537-F0A511D432A4}"/>
               </a:ext>
             </a:extLst>
           </p:cNvPr>
@@ -166,7 +166,7 @@
           <p:cNvPr id="3" name="副标题 2">
             <a:extLst>
               <a:ext uri="{FF2B5EF4-FFF2-40B4-BE49-F238E27FC236}">
-                <a16:creationId xmlns:a16="http://schemas.microsoft.com/office/drawing/2014/main" id="{3DF9E70E-5BEF-B5B5-03B2-6240C14214C6}"/>
+                <a16:creationId xmlns:a16="http://schemas.microsoft.com/office/drawing/2014/main" id="{E45538E6-4B1F-A1EC-1C07-C3208777BDCC}"/>
               </a:ext>
             </a:extLst>
           </p:cNvPr>
@@ -236,7 +236,7 @@
           <p:cNvPr id="4" name="日期占位符 3">
             <a:extLst>
               <a:ext uri="{FF2B5EF4-FFF2-40B4-BE49-F238E27FC236}">
-                <a16:creationId xmlns:a16="http://schemas.microsoft.com/office/drawing/2014/main" id="{EBC53B0B-ED12-9B98-A0A2-7BB9FFBF9E85}"/>
+                <a16:creationId xmlns:a16="http://schemas.microsoft.com/office/drawing/2014/main" id="{45259DB3-C7DC-7975-BF07-6A326D98020A}"/>
               </a:ext>
             </a:extLst>
           </p:cNvPr>
@@ -252,7 +252,7 @@
           <a:bodyPr/>
           <a:lstStyle/>
           <a:p>
-            <a:fld id="{35D528AA-1B54-4F7D-AD98-19B9A87813D3}" type="datetimeFigureOut">
+            <a:fld id="{99A7C296-167B-4A83-825F-BFFB69567B5E}" type="datetimeFigureOut">
               <a:rPr lang="zh-CN" altLang="en-US" smtClean="0"/>
               <a:t>2024/3/10</a:t>
             </a:fld>
@@ -265,7 +265,7 @@
           <p:cNvPr id="5" name="页脚占位符 4">
             <a:extLst>
               <a:ext uri="{FF2B5EF4-FFF2-40B4-BE49-F238E27FC236}">
-                <a16:creationId xmlns:a16="http://schemas.microsoft.com/office/drawing/2014/main" id="{5015C029-36DE-D5B3-6F68-838AC0E16F77}"/>
+                <a16:creationId xmlns:a16="http://schemas.microsoft.com/office/drawing/2014/main" id="{7818762B-0907-9E59-932C-3BA10CCFA522}"/>
               </a:ext>
             </a:extLst>
           </p:cNvPr>
@@ -290,7 +290,7 @@
           <p:cNvPr id="6" name="灯片编号占位符 5">
             <a:extLst>
               <a:ext uri="{FF2B5EF4-FFF2-40B4-BE49-F238E27FC236}">
-                <a16:creationId xmlns:a16="http://schemas.microsoft.com/office/drawing/2014/main" id="{65862C44-00AD-5B20-CD3F-6018CCF881E8}"/>
+                <a16:creationId xmlns:a16="http://schemas.microsoft.com/office/drawing/2014/main" id="{66C67049-2CFD-101A-B7DB-812D657738D5}"/>
               </a:ext>
             </a:extLst>
           </p:cNvPr>
@@ -306,7 +306,7 @@
           <a:bodyPr/>
           <a:lstStyle/>
           <a:p>
-            <a:fld id="{202FD6E1-468D-4809-B475-95DCA63BCCD0}" type="slidenum">
+            <a:fld id="{78091F63-E538-46CC-83EB-8E7607DC7508}" type="slidenum">
               <a:rPr lang="zh-CN" altLang="en-US" smtClean="0"/>
               <a:t>‹#›</a:t>
             </a:fld>
@@ -317,7 +317,7 @@
     </p:spTree>
     <p:extLst>
       <p:ext uri="{BB962C8B-B14F-4D97-AF65-F5344CB8AC3E}">
-        <p14:creationId xmlns:p14="http://schemas.microsoft.com/office/powerpoint/2010/main" val="3594787489"/>
+        <p14:creationId xmlns:p14="http://schemas.microsoft.com/office/powerpoint/2010/main" val="3201588422"/>
       </p:ext>
     </p:extLst>
   </p:cSld>
@@ -349,7 +349,7 @@
           <p:cNvPr id="2" name="标题 1">
             <a:extLst>
               <a:ext uri="{FF2B5EF4-FFF2-40B4-BE49-F238E27FC236}">
-                <a16:creationId xmlns:a16="http://schemas.microsoft.com/office/drawing/2014/main" id="{2F0E295E-51E4-88FE-E989-7F251B66F3EB}"/>
+                <a16:creationId xmlns:a16="http://schemas.microsoft.com/office/drawing/2014/main" id="{0F9E2E4F-861B-D85A-15B2-48743352DD58}"/>
               </a:ext>
             </a:extLst>
           </p:cNvPr>
@@ -377,7 +377,7 @@
           <p:cNvPr id="3" name="竖排文字占位符 2">
             <a:extLst>
               <a:ext uri="{FF2B5EF4-FFF2-40B4-BE49-F238E27FC236}">
-                <a16:creationId xmlns:a16="http://schemas.microsoft.com/office/drawing/2014/main" id="{8F9B055F-C65F-F74A-E607-BD0BC8D1A59D}"/>
+                <a16:creationId xmlns:a16="http://schemas.microsoft.com/office/drawing/2014/main" id="{D8FF8C44-15AA-4999-16F2-020972AD280B}"/>
               </a:ext>
             </a:extLst>
           </p:cNvPr>
@@ -434,7 +434,7 @@
           <p:cNvPr id="4" name="日期占位符 3">
             <a:extLst>
               <a:ext uri="{FF2B5EF4-FFF2-40B4-BE49-F238E27FC236}">
-                <a16:creationId xmlns:a16="http://schemas.microsoft.com/office/drawing/2014/main" id="{304C9850-5D28-ADD7-4F9B-3E2CDD63B252}"/>
+                <a16:creationId xmlns:a16="http://schemas.microsoft.com/office/drawing/2014/main" id="{D581F2B8-1A11-B4C6-BD10-DB27D0BC91BA}"/>
               </a:ext>
             </a:extLst>
           </p:cNvPr>
@@ -450,7 +450,7 @@
           <a:bodyPr/>
           <a:lstStyle/>
           <a:p>
-            <a:fld id="{35D528AA-1B54-4F7D-AD98-19B9A87813D3}" type="datetimeFigureOut">
+            <a:fld id="{99A7C296-167B-4A83-825F-BFFB69567B5E}" type="datetimeFigureOut">
               <a:rPr lang="zh-CN" altLang="en-US" smtClean="0"/>
               <a:t>2024/3/10</a:t>
             </a:fld>
@@ -463,7 +463,7 @@
           <p:cNvPr id="5" name="页脚占位符 4">
             <a:extLst>
               <a:ext uri="{FF2B5EF4-FFF2-40B4-BE49-F238E27FC236}">
-                <a16:creationId xmlns:a16="http://schemas.microsoft.com/office/drawing/2014/main" id="{14A95F89-9D84-E24D-6C16-957D10F01F69}"/>
+                <a16:creationId xmlns:a16="http://schemas.microsoft.com/office/drawing/2014/main" id="{B5F9F9AD-D9A8-739E-AD06-9583FC242EC7}"/>
               </a:ext>
             </a:extLst>
           </p:cNvPr>
@@ -488,7 +488,7 @@
           <p:cNvPr id="6" name="灯片编号占位符 5">
             <a:extLst>
               <a:ext uri="{FF2B5EF4-FFF2-40B4-BE49-F238E27FC236}">
-                <a16:creationId xmlns:a16="http://schemas.microsoft.com/office/drawing/2014/main" id="{144EDECE-ABD7-FCEF-8832-99A05D401D8A}"/>
+                <a16:creationId xmlns:a16="http://schemas.microsoft.com/office/drawing/2014/main" id="{26C15EB7-03F8-55AF-9A9E-57C0BDB67BB5}"/>
               </a:ext>
             </a:extLst>
           </p:cNvPr>
@@ -504,7 +504,7 @@
           <a:bodyPr/>
           <a:lstStyle/>
           <a:p>
-            <a:fld id="{202FD6E1-468D-4809-B475-95DCA63BCCD0}" type="slidenum">
+            <a:fld id="{78091F63-E538-46CC-83EB-8E7607DC7508}" type="slidenum">
               <a:rPr lang="zh-CN" altLang="en-US" smtClean="0"/>
               <a:t>‹#›</a:t>
             </a:fld>
@@ -515,7 +515,7 @@
     </p:spTree>
     <p:extLst>
       <p:ext uri="{BB962C8B-B14F-4D97-AF65-F5344CB8AC3E}">
-        <p14:creationId xmlns:p14="http://schemas.microsoft.com/office/powerpoint/2010/main" val="3099421501"/>
+        <p14:creationId xmlns:p14="http://schemas.microsoft.com/office/powerpoint/2010/main" val="2172952098"/>
       </p:ext>
     </p:extLst>
   </p:cSld>
@@ -547,7 +547,7 @@
           <p:cNvPr id="2" name="竖排标题 1">
             <a:extLst>
               <a:ext uri="{FF2B5EF4-FFF2-40B4-BE49-F238E27FC236}">
-                <a16:creationId xmlns:a16="http://schemas.microsoft.com/office/drawing/2014/main" id="{59B977ED-726D-561D-25B5-EBDFE3D0D101}"/>
+                <a16:creationId xmlns:a16="http://schemas.microsoft.com/office/drawing/2014/main" id="{651A09D2-6002-5E00-7821-8216C0D5E9A6}"/>
               </a:ext>
             </a:extLst>
           </p:cNvPr>
@@ -580,7 +580,7 @@
           <p:cNvPr id="3" name="竖排文字占位符 2">
             <a:extLst>
               <a:ext uri="{FF2B5EF4-FFF2-40B4-BE49-F238E27FC236}">
-                <a16:creationId xmlns:a16="http://schemas.microsoft.com/office/drawing/2014/main" id="{968CFFA0-7592-1F03-93FB-C8B6133D370F}"/>
+                <a16:creationId xmlns:a16="http://schemas.microsoft.com/office/drawing/2014/main" id="{123615FA-A383-2E5A-0C80-67536E68FAE9}"/>
               </a:ext>
             </a:extLst>
           </p:cNvPr>
@@ -642,7 +642,7 @@
           <p:cNvPr id="4" name="日期占位符 3">
             <a:extLst>
               <a:ext uri="{FF2B5EF4-FFF2-40B4-BE49-F238E27FC236}">
-                <a16:creationId xmlns:a16="http://schemas.microsoft.com/office/drawing/2014/main" id="{0135D015-E503-6D0A-2FF4-EF5827D9648A}"/>
+                <a16:creationId xmlns:a16="http://schemas.microsoft.com/office/drawing/2014/main" id="{0BE21532-084A-4C20-B071-5C7BA676A61E}"/>
               </a:ext>
             </a:extLst>
           </p:cNvPr>
@@ -658,7 +658,7 @@
           <a:bodyPr/>
           <a:lstStyle/>
           <a:p>
-            <a:fld id="{35D528AA-1B54-4F7D-AD98-19B9A87813D3}" type="datetimeFigureOut">
+            <a:fld id="{99A7C296-167B-4A83-825F-BFFB69567B5E}" type="datetimeFigureOut">
               <a:rPr lang="zh-CN" altLang="en-US" smtClean="0"/>
               <a:t>2024/3/10</a:t>
             </a:fld>
@@ -671,7 +671,7 @@
           <p:cNvPr id="5" name="页脚占位符 4">
             <a:extLst>
               <a:ext uri="{FF2B5EF4-FFF2-40B4-BE49-F238E27FC236}">
-                <a16:creationId xmlns:a16="http://schemas.microsoft.com/office/drawing/2014/main" id="{23790F2C-C79C-CA2B-E1FB-F4489E297903}"/>
+                <a16:creationId xmlns:a16="http://schemas.microsoft.com/office/drawing/2014/main" id="{47615818-7EED-C2AF-1685-0550218BC728}"/>
               </a:ext>
             </a:extLst>
           </p:cNvPr>
@@ -696,7 +696,7 @@
           <p:cNvPr id="6" name="灯片编号占位符 5">
             <a:extLst>
               <a:ext uri="{FF2B5EF4-FFF2-40B4-BE49-F238E27FC236}">
-                <a16:creationId xmlns:a16="http://schemas.microsoft.com/office/drawing/2014/main" id="{5095DBD3-4336-5488-B088-BBF12BBEF46A}"/>
+                <a16:creationId xmlns:a16="http://schemas.microsoft.com/office/drawing/2014/main" id="{2DCD64E5-8BD1-D872-FE96-E68603616BAC}"/>
               </a:ext>
             </a:extLst>
           </p:cNvPr>
@@ -712,7 +712,7 @@
           <a:bodyPr/>
           <a:lstStyle/>
           <a:p>
-            <a:fld id="{202FD6E1-468D-4809-B475-95DCA63BCCD0}" type="slidenum">
+            <a:fld id="{78091F63-E538-46CC-83EB-8E7607DC7508}" type="slidenum">
               <a:rPr lang="zh-CN" altLang="en-US" smtClean="0"/>
               <a:t>‹#›</a:t>
             </a:fld>
@@ -723,7 +723,7 @@
     </p:spTree>
     <p:extLst>
       <p:ext uri="{BB962C8B-B14F-4D97-AF65-F5344CB8AC3E}">
-        <p14:creationId xmlns:p14="http://schemas.microsoft.com/office/powerpoint/2010/main" val="224272434"/>
+        <p14:creationId xmlns:p14="http://schemas.microsoft.com/office/powerpoint/2010/main" val="3166796677"/>
       </p:ext>
     </p:extLst>
   </p:cSld>
@@ -755,7 +755,7 @@
           <p:cNvPr id="2" name="标题 1">
             <a:extLst>
               <a:ext uri="{FF2B5EF4-FFF2-40B4-BE49-F238E27FC236}">
-                <a16:creationId xmlns:a16="http://schemas.microsoft.com/office/drawing/2014/main" id="{87F2A8A9-0971-3BE2-9CD8-A9E09093E082}"/>
+                <a16:creationId xmlns:a16="http://schemas.microsoft.com/office/drawing/2014/main" id="{8493E776-1B16-5422-2DF0-E88AED7DD7EC}"/>
               </a:ext>
             </a:extLst>
           </p:cNvPr>
@@ -783,7 +783,7 @@
           <p:cNvPr id="3" name="内容占位符 2">
             <a:extLst>
               <a:ext uri="{FF2B5EF4-FFF2-40B4-BE49-F238E27FC236}">
-                <a16:creationId xmlns:a16="http://schemas.microsoft.com/office/drawing/2014/main" id="{179F15D2-9350-B364-D6BE-05DABD35F379}"/>
+                <a16:creationId xmlns:a16="http://schemas.microsoft.com/office/drawing/2014/main" id="{44EBC95C-F143-5BF8-62C9-59740954ECE9}"/>
               </a:ext>
             </a:extLst>
           </p:cNvPr>
@@ -840,7 +840,7 @@
           <p:cNvPr id="4" name="日期占位符 3">
             <a:extLst>
               <a:ext uri="{FF2B5EF4-FFF2-40B4-BE49-F238E27FC236}">
-                <a16:creationId xmlns:a16="http://schemas.microsoft.com/office/drawing/2014/main" id="{14BA685D-9305-9F8A-3704-D1C8088635D7}"/>
+                <a16:creationId xmlns:a16="http://schemas.microsoft.com/office/drawing/2014/main" id="{A6B42AE1-B023-8029-24CC-1A2DA5FD2CB1}"/>
               </a:ext>
             </a:extLst>
           </p:cNvPr>
@@ -856,7 +856,7 @@
           <a:bodyPr/>
           <a:lstStyle/>
           <a:p>
-            <a:fld id="{35D528AA-1B54-4F7D-AD98-19B9A87813D3}" type="datetimeFigureOut">
+            <a:fld id="{99A7C296-167B-4A83-825F-BFFB69567B5E}" type="datetimeFigureOut">
               <a:rPr lang="zh-CN" altLang="en-US" smtClean="0"/>
               <a:t>2024/3/10</a:t>
             </a:fld>
@@ -869,7 +869,7 @@
           <p:cNvPr id="5" name="页脚占位符 4">
             <a:extLst>
               <a:ext uri="{FF2B5EF4-FFF2-40B4-BE49-F238E27FC236}">
-                <a16:creationId xmlns:a16="http://schemas.microsoft.com/office/drawing/2014/main" id="{8590BAF9-14C1-536F-4610-52F4063AD29E}"/>
+                <a16:creationId xmlns:a16="http://schemas.microsoft.com/office/drawing/2014/main" id="{1E49E4E4-7DD5-89F0-0AAB-FF1A92949388}"/>
               </a:ext>
             </a:extLst>
           </p:cNvPr>
@@ -894,7 +894,7 @@
           <p:cNvPr id="6" name="灯片编号占位符 5">
             <a:extLst>
               <a:ext uri="{FF2B5EF4-FFF2-40B4-BE49-F238E27FC236}">
-                <a16:creationId xmlns:a16="http://schemas.microsoft.com/office/drawing/2014/main" id="{F962467A-CF7A-A661-92A9-B0B970F39091}"/>
+                <a16:creationId xmlns:a16="http://schemas.microsoft.com/office/drawing/2014/main" id="{FF5C044D-C211-1556-A425-2135FDF7D269}"/>
               </a:ext>
             </a:extLst>
           </p:cNvPr>
@@ -910,7 +910,7 @@
           <a:bodyPr/>
           <a:lstStyle/>
           <a:p>
-            <a:fld id="{202FD6E1-468D-4809-B475-95DCA63BCCD0}" type="slidenum">
+            <a:fld id="{78091F63-E538-46CC-83EB-8E7607DC7508}" type="slidenum">
               <a:rPr lang="zh-CN" altLang="en-US" smtClean="0"/>
               <a:t>‹#›</a:t>
             </a:fld>
@@ -921,7 +921,7 @@
     </p:spTree>
     <p:extLst>
       <p:ext uri="{BB962C8B-B14F-4D97-AF65-F5344CB8AC3E}">
-        <p14:creationId xmlns:p14="http://schemas.microsoft.com/office/powerpoint/2010/main" val="3176259175"/>
+        <p14:creationId xmlns:p14="http://schemas.microsoft.com/office/powerpoint/2010/main" val="1512532710"/>
       </p:ext>
     </p:extLst>
   </p:cSld>
@@ -953,7 +953,7 @@
           <p:cNvPr id="2" name="标题 1">
             <a:extLst>
               <a:ext uri="{FF2B5EF4-FFF2-40B4-BE49-F238E27FC236}">
-                <a16:creationId xmlns:a16="http://schemas.microsoft.com/office/drawing/2014/main" id="{F3AA9369-CFD6-F2A1-2DDD-7480BDF8FEEA}"/>
+                <a16:creationId xmlns:a16="http://schemas.microsoft.com/office/drawing/2014/main" id="{4CA764FF-279B-F8C4-AAD8-A05C5B947222}"/>
               </a:ext>
             </a:extLst>
           </p:cNvPr>
@@ -990,7 +990,7 @@
           <p:cNvPr id="3" name="文本占位符 2">
             <a:extLst>
               <a:ext uri="{FF2B5EF4-FFF2-40B4-BE49-F238E27FC236}">
-                <a16:creationId xmlns:a16="http://schemas.microsoft.com/office/drawing/2014/main" id="{1115941B-48FA-1A06-B4DB-0C5EB1EE72DA}"/>
+                <a16:creationId xmlns:a16="http://schemas.microsoft.com/office/drawing/2014/main" id="{702B61E4-AE71-0D1D-6185-112669DD1262}"/>
               </a:ext>
             </a:extLst>
           </p:cNvPr>
@@ -1115,7 +1115,7 @@
           <p:cNvPr id="4" name="日期占位符 3">
             <a:extLst>
               <a:ext uri="{FF2B5EF4-FFF2-40B4-BE49-F238E27FC236}">
-                <a16:creationId xmlns:a16="http://schemas.microsoft.com/office/drawing/2014/main" id="{8854525B-DB0C-6D38-9F0F-C4333F0EE4E3}"/>
+                <a16:creationId xmlns:a16="http://schemas.microsoft.com/office/drawing/2014/main" id="{2CD77D4F-53D4-182A-B593-9E1E9037EA11}"/>
               </a:ext>
             </a:extLst>
           </p:cNvPr>
@@ -1131,7 +1131,7 @@
           <a:bodyPr/>
           <a:lstStyle/>
           <a:p>
-            <a:fld id="{35D528AA-1B54-4F7D-AD98-19B9A87813D3}" type="datetimeFigureOut">
+            <a:fld id="{99A7C296-167B-4A83-825F-BFFB69567B5E}" type="datetimeFigureOut">
               <a:rPr lang="zh-CN" altLang="en-US" smtClean="0"/>
               <a:t>2024/3/10</a:t>
             </a:fld>
@@ -1144,7 +1144,7 @@
           <p:cNvPr id="5" name="页脚占位符 4">
             <a:extLst>
               <a:ext uri="{FF2B5EF4-FFF2-40B4-BE49-F238E27FC236}">
-                <a16:creationId xmlns:a16="http://schemas.microsoft.com/office/drawing/2014/main" id="{D8F0E6DB-A369-FF9F-033B-278A66FA3BE0}"/>
+                <a16:creationId xmlns:a16="http://schemas.microsoft.com/office/drawing/2014/main" id="{DA9306CB-78D4-36DB-B170-CE9178CA2A8F}"/>
               </a:ext>
             </a:extLst>
           </p:cNvPr>
@@ -1169,7 +1169,7 @@
           <p:cNvPr id="6" name="灯片编号占位符 5">
             <a:extLst>
               <a:ext uri="{FF2B5EF4-FFF2-40B4-BE49-F238E27FC236}">
-                <a16:creationId xmlns:a16="http://schemas.microsoft.com/office/drawing/2014/main" id="{8EB3C8CE-A7DE-E1B8-6194-554A12B076D6}"/>
+                <a16:creationId xmlns:a16="http://schemas.microsoft.com/office/drawing/2014/main" id="{BBCE2C82-CECE-ED57-B136-3491E9CDFFDA}"/>
               </a:ext>
             </a:extLst>
           </p:cNvPr>
@@ -1185,7 +1185,7 @@
           <a:bodyPr/>
           <a:lstStyle/>
           <a:p>
-            <a:fld id="{202FD6E1-468D-4809-B475-95DCA63BCCD0}" type="slidenum">
+            <a:fld id="{78091F63-E538-46CC-83EB-8E7607DC7508}" type="slidenum">
               <a:rPr lang="zh-CN" altLang="en-US" smtClean="0"/>
               <a:t>‹#›</a:t>
             </a:fld>
@@ -1196,7 +1196,7 @@
     </p:spTree>
     <p:extLst>
       <p:ext uri="{BB962C8B-B14F-4D97-AF65-F5344CB8AC3E}">
-        <p14:creationId xmlns:p14="http://schemas.microsoft.com/office/powerpoint/2010/main" val="3804863610"/>
+        <p14:creationId xmlns:p14="http://schemas.microsoft.com/office/powerpoint/2010/main" val="852181914"/>
       </p:ext>
     </p:extLst>
   </p:cSld>
@@ -1228,7 +1228,7 @@
           <p:cNvPr id="2" name="标题 1">
             <a:extLst>
               <a:ext uri="{FF2B5EF4-FFF2-40B4-BE49-F238E27FC236}">
-                <a16:creationId xmlns:a16="http://schemas.microsoft.com/office/drawing/2014/main" id="{BAC233CE-BA7B-806B-8BA6-1BE31C3B638F}"/>
+                <a16:creationId xmlns:a16="http://schemas.microsoft.com/office/drawing/2014/main" id="{90BBB786-0B3D-4930-CF03-EFF43BF2F265}"/>
               </a:ext>
             </a:extLst>
           </p:cNvPr>
@@ -1256,7 +1256,7 @@
           <p:cNvPr id="3" name="内容占位符 2">
             <a:extLst>
               <a:ext uri="{FF2B5EF4-FFF2-40B4-BE49-F238E27FC236}">
-                <a16:creationId xmlns:a16="http://schemas.microsoft.com/office/drawing/2014/main" id="{3C184912-E683-F398-8E77-68E23B76CE47}"/>
+                <a16:creationId xmlns:a16="http://schemas.microsoft.com/office/drawing/2014/main" id="{8B7794FB-EE5D-6212-D36B-9093ACBD0373}"/>
               </a:ext>
             </a:extLst>
           </p:cNvPr>
@@ -1318,7 +1318,7 @@
           <p:cNvPr id="4" name="内容占位符 3">
             <a:extLst>
               <a:ext uri="{FF2B5EF4-FFF2-40B4-BE49-F238E27FC236}">
-                <a16:creationId xmlns:a16="http://schemas.microsoft.com/office/drawing/2014/main" id="{206D2843-B0FE-8CEB-E65C-F8B67B2EF20C}"/>
+                <a16:creationId xmlns:a16="http://schemas.microsoft.com/office/drawing/2014/main" id="{B168EC16-DD59-9680-CC93-52C73B8B990D}"/>
               </a:ext>
             </a:extLst>
           </p:cNvPr>
@@ -1380,7 +1380,7 @@
           <p:cNvPr id="5" name="日期占位符 4">
             <a:extLst>
               <a:ext uri="{FF2B5EF4-FFF2-40B4-BE49-F238E27FC236}">
-                <a16:creationId xmlns:a16="http://schemas.microsoft.com/office/drawing/2014/main" id="{EFF48CAB-C7FB-BC43-C600-164FEE18F1BA}"/>
+                <a16:creationId xmlns:a16="http://schemas.microsoft.com/office/drawing/2014/main" id="{A089A38D-FA65-A6DA-0A4D-3B79072A17C7}"/>
               </a:ext>
             </a:extLst>
           </p:cNvPr>
@@ -1396,7 +1396,7 @@
           <a:bodyPr/>
           <a:lstStyle/>
           <a:p>
-            <a:fld id="{35D528AA-1B54-4F7D-AD98-19B9A87813D3}" type="datetimeFigureOut">
+            <a:fld id="{99A7C296-167B-4A83-825F-BFFB69567B5E}" type="datetimeFigureOut">
               <a:rPr lang="zh-CN" altLang="en-US" smtClean="0"/>
               <a:t>2024/3/10</a:t>
             </a:fld>
@@ -1409,7 +1409,7 @@
           <p:cNvPr id="6" name="页脚占位符 5">
             <a:extLst>
               <a:ext uri="{FF2B5EF4-FFF2-40B4-BE49-F238E27FC236}">
-                <a16:creationId xmlns:a16="http://schemas.microsoft.com/office/drawing/2014/main" id="{4FE5F842-B15D-0132-ACE5-B802DD607B40}"/>
+                <a16:creationId xmlns:a16="http://schemas.microsoft.com/office/drawing/2014/main" id="{55AE2ED4-17A6-1A74-88C6-F58BDD316CEE}"/>
               </a:ext>
             </a:extLst>
           </p:cNvPr>
@@ -1434,7 +1434,7 @@
           <p:cNvPr id="7" name="灯片编号占位符 6">
             <a:extLst>
               <a:ext uri="{FF2B5EF4-FFF2-40B4-BE49-F238E27FC236}">
-                <a16:creationId xmlns:a16="http://schemas.microsoft.com/office/drawing/2014/main" id="{B7C9F563-76D0-0F30-27D5-8F012BC559B0}"/>
+                <a16:creationId xmlns:a16="http://schemas.microsoft.com/office/drawing/2014/main" id="{A862DAE8-02F5-BDD2-5F0F-61B10C3A87BA}"/>
               </a:ext>
             </a:extLst>
           </p:cNvPr>
@@ -1450,7 +1450,7 @@
           <a:bodyPr/>
           <a:lstStyle/>
           <a:p>
-            <a:fld id="{202FD6E1-468D-4809-B475-95DCA63BCCD0}" type="slidenum">
+            <a:fld id="{78091F63-E538-46CC-83EB-8E7607DC7508}" type="slidenum">
               <a:rPr lang="zh-CN" altLang="en-US" smtClean="0"/>
               <a:t>‹#›</a:t>
             </a:fld>
@@ -1461,7 +1461,7 @@
     </p:spTree>
     <p:extLst>
       <p:ext uri="{BB962C8B-B14F-4D97-AF65-F5344CB8AC3E}">
-        <p14:creationId xmlns:p14="http://schemas.microsoft.com/office/powerpoint/2010/main" val="3818929140"/>
+        <p14:creationId xmlns:p14="http://schemas.microsoft.com/office/powerpoint/2010/main" val="2344263438"/>
       </p:ext>
     </p:extLst>
   </p:cSld>
@@ -1493,7 +1493,7 @@
           <p:cNvPr id="2" name="标题 1">
             <a:extLst>
               <a:ext uri="{FF2B5EF4-FFF2-40B4-BE49-F238E27FC236}">
-                <a16:creationId xmlns:a16="http://schemas.microsoft.com/office/drawing/2014/main" id="{AD107464-F113-6C14-85E4-42A5A643EC82}"/>
+                <a16:creationId xmlns:a16="http://schemas.microsoft.com/office/drawing/2014/main" id="{1B738AB6-8676-36D1-E517-0679A8542727}"/>
               </a:ext>
             </a:extLst>
           </p:cNvPr>
@@ -1526,7 +1526,7 @@
           <p:cNvPr id="3" name="文本占位符 2">
             <a:extLst>
               <a:ext uri="{FF2B5EF4-FFF2-40B4-BE49-F238E27FC236}">
-                <a16:creationId xmlns:a16="http://schemas.microsoft.com/office/drawing/2014/main" id="{55B372BA-6B79-0A63-01A9-D4C834A89B1D}"/>
+                <a16:creationId xmlns:a16="http://schemas.microsoft.com/office/drawing/2014/main" id="{E7FA360D-1601-58C4-232F-E5E7FAE6D790}"/>
               </a:ext>
             </a:extLst>
           </p:cNvPr>
@@ -1597,7 +1597,7 @@
           <p:cNvPr id="4" name="内容占位符 3">
             <a:extLst>
               <a:ext uri="{FF2B5EF4-FFF2-40B4-BE49-F238E27FC236}">
-                <a16:creationId xmlns:a16="http://schemas.microsoft.com/office/drawing/2014/main" id="{6501B44D-8701-282C-3010-52DCE6ACA5B5}"/>
+                <a16:creationId xmlns:a16="http://schemas.microsoft.com/office/drawing/2014/main" id="{9D4CC247-63A9-7313-0AC6-D1B014314BA4}"/>
               </a:ext>
             </a:extLst>
           </p:cNvPr>
@@ -1659,7 +1659,7 @@
           <p:cNvPr id="5" name="文本占位符 4">
             <a:extLst>
               <a:ext uri="{FF2B5EF4-FFF2-40B4-BE49-F238E27FC236}">
-                <a16:creationId xmlns:a16="http://schemas.microsoft.com/office/drawing/2014/main" id="{67677854-ACBC-0217-F52A-C2C8BF045F18}"/>
+                <a16:creationId xmlns:a16="http://schemas.microsoft.com/office/drawing/2014/main" id="{1E21117C-5859-F5C5-A9A7-6BAA71A89A3D}"/>
               </a:ext>
             </a:extLst>
           </p:cNvPr>
@@ -1730,7 +1730,7 @@
           <p:cNvPr id="6" name="内容占位符 5">
             <a:extLst>
               <a:ext uri="{FF2B5EF4-FFF2-40B4-BE49-F238E27FC236}">
-                <a16:creationId xmlns:a16="http://schemas.microsoft.com/office/drawing/2014/main" id="{89CC40AB-4CE1-32C1-A27F-BFEE653243A3}"/>
+                <a16:creationId xmlns:a16="http://schemas.microsoft.com/office/drawing/2014/main" id="{A5145F0E-67AB-954A-91B9-A6422E92E51E}"/>
               </a:ext>
             </a:extLst>
           </p:cNvPr>
@@ -1792,7 +1792,7 @@
           <p:cNvPr id="7" name="日期占位符 6">
             <a:extLst>
               <a:ext uri="{FF2B5EF4-FFF2-40B4-BE49-F238E27FC236}">
-                <a16:creationId xmlns:a16="http://schemas.microsoft.com/office/drawing/2014/main" id="{034EA81E-D93A-734E-8A61-3802629ECE70}"/>
+                <a16:creationId xmlns:a16="http://schemas.microsoft.com/office/drawing/2014/main" id="{2785692E-E2B0-060B-3063-7AFA0B88BCF0}"/>
               </a:ext>
             </a:extLst>
           </p:cNvPr>
@@ -1808,7 +1808,7 @@
           <a:bodyPr/>
           <a:lstStyle/>
           <a:p>
-            <a:fld id="{35D528AA-1B54-4F7D-AD98-19B9A87813D3}" type="datetimeFigureOut">
+            <a:fld id="{99A7C296-167B-4A83-825F-BFFB69567B5E}" type="datetimeFigureOut">
               <a:rPr lang="zh-CN" altLang="en-US" smtClean="0"/>
               <a:t>2024/3/10</a:t>
             </a:fld>
@@ -1821,7 +1821,7 @@
           <p:cNvPr id="8" name="页脚占位符 7">
             <a:extLst>
               <a:ext uri="{FF2B5EF4-FFF2-40B4-BE49-F238E27FC236}">
-                <a16:creationId xmlns:a16="http://schemas.microsoft.com/office/drawing/2014/main" id="{6C1FA341-059E-844C-15F2-F84A9D4491A4}"/>
+                <a16:creationId xmlns:a16="http://schemas.microsoft.com/office/drawing/2014/main" id="{9573380C-36A2-43E5-BA96-2CCC6927B29C}"/>
               </a:ext>
             </a:extLst>
           </p:cNvPr>
@@ -1846,7 +1846,7 @@
           <p:cNvPr id="9" name="灯片编号占位符 8">
             <a:extLst>
               <a:ext uri="{FF2B5EF4-FFF2-40B4-BE49-F238E27FC236}">
-                <a16:creationId xmlns:a16="http://schemas.microsoft.com/office/drawing/2014/main" id="{D3125A20-A088-3619-EFF0-66453F791A25}"/>
+                <a16:creationId xmlns:a16="http://schemas.microsoft.com/office/drawing/2014/main" id="{4715DDF7-EC13-A597-9F3B-63BDF10A09DC}"/>
               </a:ext>
             </a:extLst>
           </p:cNvPr>
@@ -1862,7 +1862,7 @@
           <a:bodyPr/>
           <a:lstStyle/>
           <a:p>
-            <a:fld id="{202FD6E1-468D-4809-B475-95DCA63BCCD0}" type="slidenum">
+            <a:fld id="{78091F63-E538-46CC-83EB-8E7607DC7508}" type="slidenum">
               <a:rPr lang="zh-CN" altLang="en-US" smtClean="0"/>
               <a:t>‹#›</a:t>
             </a:fld>
@@ -1873,7 +1873,7 @@
     </p:spTree>
     <p:extLst>
       <p:ext uri="{BB962C8B-B14F-4D97-AF65-F5344CB8AC3E}">
-        <p14:creationId xmlns:p14="http://schemas.microsoft.com/office/powerpoint/2010/main" val="795151185"/>
+        <p14:creationId xmlns:p14="http://schemas.microsoft.com/office/powerpoint/2010/main" val="3824336435"/>
       </p:ext>
     </p:extLst>
   </p:cSld>
@@ -1905,7 +1905,7 @@
           <p:cNvPr id="2" name="标题 1">
             <a:extLst>
               <a:ext uri="{FF2B5EF4-FFF2-40B4-BE49-F238E27FC236}">
-                <a16:creationId xmlns:a16="http://schemas.microsoft.com/office/drawing/2014/main" id="{CA95B1C2-931A-12AC-7258-48A1E8270709}"/>
+                <a16:creationId xmlns:a16="http://schemas.microsoft.com/office/drawing/2014/main" id="{DAD579E1-AFC7-462B-1647-E81326C14622}"/>
               </a:ext>
             </a:extLst>
           </p:cNvPr>
@@ -1933,7 +1933,7 @@
           <p:cNvPr id="3" name="日期占位符 2">
             <a:extLst>
               <a:ext uri="{FF2B5EF4-FFF2-40B4-BE49-F238E27FC236}">
-                <a16:creationId xmlns:a16="http://schemas.microsoft.com/office/drawing/2014/main" id="{03C45D0A-517F-F5A1-E52D-EF873A347952}"/>
+                <a16:creationId xmlns:a16="http://schemas.microsoft.com/office/drawing/2014/main" id="{7CE8C75E-F40B-D8E7-45DA-9427286259C5}"/>
               </a:ext>
             </a:extLst>
           </p:cNvPr>
@@ -1949,7 +1949,7 @@
           <a:bodyPr/>
           <a:lstStyle/>
           <a:p>
-            <a:fld id="{35D528AA-1B54-4F7D-AD98-19B9A87813D3}" type="datetimeFigureOut">
+            <a:fld id="{99A7C296-167B-4A83-825F-BFFB69567B5E}" type="datetimeFigureOut">
               <a:rPr lang="zh-CN" altLang="en-US" smtClean="0"/>
               <a:t>2024/3/10</a:t>
             </a:fld>
@@ -1962,7 +1962,7 @@
           <p:cNvPr id="4" name="页脚占位符 3">
             <a:extLst>
               <a:ext uri="{FF2B5EF4-FFF2-40B4-BE49-F238E27FC236}">
-                <a16:creationId xmlns:a16="http://schemas.microsoft.com/office/drawing/2014/main" id="{3A18F988-61B9-20E2-B8C9-A504224618F9}"/>
+                <a16:creationId xmlns:a16="http://schemas.microsoft.com/office/drawing/2014/main" id="{F03F2382-C9C5-3363-4144-1EBE7589F0C0}"/>
               </a:ext>
             </a:extLst>
           </p:cNvPr>
@@ -1987,7 +1987,7 @@
           <p:cNvPr id="5" name="灯片编号占位符 4">
             <a:extLst>
               <a:ext uri="{FF2B5EF4-FFF2-40B4-BE49-F238E27FC236}">
-                <a16:creationId xmlns:a16="http://schemas.microsoft.com/office/drawing/2014/main" id="{D995EB83-0975-BF23-FA0B-BFBB3E080E37}"/>
+                <a16:creationId xmlns:a16="http://schemas.microsoft.com/office/drawing/2014/main" id="{AA3E9339-9A3D-7805-2A51-1EDA3CB236E7}"/>
               </a:ext>
             </a:extLst>
           </p:cNvPr>
@@ -2003,7 +2003,7 @@
           <a:bodyPr/>
           <a:lstStyle/>
           <a:p>
-            <a:fld id="{202FD6E1-468D-4809-B475-95DCA63BCCD0}" type="slidenum">
+            <a:fld id="{78091F63-E538-46CC-83EB-8E7607DC7508}" type="slidenum">
               <a:rPr lang="zh-CN" altLang="en-US" smtClean="0"/>
               <a:t>‹#›</a:t>
             </a:fld>
@@ -2014,7 +2014,7 @@
     </p:spTree>
     <p:extLst>
       <p:ext uri="{BB962C8B-B14F-4D97-AF65-F5344CB8AC3E}">
-        <p14:creationId xmlns:p14="http://schemas.microsoft.com/office/powerpoint/2010/main" val="2093456253"/>
+        <p14:creationId xmlns:p14="http://schemas.microsoft.com/office/powerpoint/2010/main" val="1609807688"/>
       </p:ext>
     </p:extLst>
   </p:cSld>
@@ -2046,7 +2046,7 @@
           <p:cNvPr id="2" name="日期占位符 1">
             <a:extLst>
               <a:ext uri="{FF2B5EF4-FFF2-40B4-BE49-F238E27FC236}">
-                <a16:creationId xmlns:a16="http://schemas.microsoft.com/office/drawing/2014/main" id="{05ED0A19-9B83-892A-634C-178735DC8720}"/>
+                <a16:creationId xmlns:a16="http://schemas.microsoft.com/office/drawing/2014/main" id="{D4CF18E6-A9C5-8DC1-D76E-952155BAB2EA}"/>
               </a:ext>
             </a:extLst>
           </p:cNvPr>
@@ -2062,7 +2062,7 @@
           <a:bodyPr/>
           <a:lstStyle/>
           <a:p>
-            <a:fld id="{35D528AA-1B54-4F7D-AD98-19B9A87813D3}" type="datetimeFigureOut">
+            <a:fld id="{99A7C296-167B-4A83-825F-BFFB69567B5E}" type="datetimeFigureOut">
               <a:rPr lang="zh-CN" altLang="en-US" smtClean="0"/>
               <a:t>2024/3/10</a:t>
             </a:fld>
@@ -2075,7 +2075,7 @@
           <p:cNvPr id="3" name="页脚占位符 2">
             <a:extLst>
               <a:ext uri="{FF2B5EF4-FFF2-40B4-BE49-F238E27FC236}">
-                <a16:creationId xmlns:a16="http://schemas.microsoft.com/office/drawing/2014/main" id="{4559D7D4-BA3F-E1E8-8038-A56BB504B765}"/>
+                <a16:creationId xmlns:a16="http://schemas.microsoft.com/office/drawing/2014/main" id="{E5877100-F268-9500-8D41-CCC4359BEFE6}"/>
               </a:ext>
             </a:extLst>
           </p:cNvPr>
@@ -2100,7 +2100,7 @@
           <p:cNvPr id="4" name="灯片编号占位符 3">
             <a:extLst>
               <a:ext uri="{FF2B5EF4-FFF2-40B4-BE49-F238E27FC236}">
-                <a16:creationId xmlns:a16="http://schemas.microsoft.com/office/drawing/2014/main" id="{18CEF1AD-8224-51AC-4D49-DC4FE6583709}"/>
+                <a16:creationId xmlns:a16="http://schemas.microsoft.com/office/drawing/2014/main" id="{398AF7D9-DE60-F857-D14D-2DDFD29E214D}"/>
               </a:ext>
             </a:extLst>
           </p:cNvPr>
@@ -2116,7 +2116,7 @@
           <a:bodyPr/>
           <a:lstStyle/>
           <a:p>
-            <a:fld id="{202FD6E1-468D-4809-B475-95DCA63BCCD0}" type="slidenum">
+            <a:fld id="{78091F63-E538-46CC-83EB-8E7607DC7508}" type="slidenum">
               <a:rPr lang="zh-CN" altLang="en-US" smtClean="0"/>
               <a:t>‹#›</a:t>
             </a:fld>
@@ -2127,7 +2127,7 @@
     </p:spTree>
     <p:extLst>
       <p:ext uri="{BB962C8B-B14F-4D97-AF65-F5344CB8AC3E}">
-        <p14:creationId xmlns:p14="http://schemas.microsoft.com/office/powerpoint/2010/main" val="2858535060"/>
+        <p14:creationId xmlns:p14="http://schemas.microsoft.com/office/powerpoint/2010/main" val="882596494"/>
       </p:ext>
     </p:extLst>
   </p:cSld>
@@ -2159,7 +2159,7 @@
           <p:cNvPr id="2" name="标题 1">
             <a:extLst>
               <a:ext uri="{FF2B5EF4-FFF2-40B4-BE49-F238E27FC236}">
-                <a16:creationId xmlns:a16="http://schemas.microsoft.com/office/drawing/2014/main" id="{79969307-7E42-1E01-4979-8BC5B74E3C9B}"/>
+                <a16:creationId xmlns:a16="http://schemas.microsoft.com/office/drawing/2014/main" id="{48B2F30F-7CB3-8BA5-6639-F7369D83FB7A}"/>
               </a:ext>
             </a:extLst>
           </p:cNvPr>
@@ -2196,7 +2196,7 @@
           <p:cNvPr id="3" name="内容占位符 2">
             <a:extLst>
               <a:ext uri="{FF2B5EF4-FFF2-40B4-BE49-F238E27FC236}">
-                <a16:creationId xmlns:a16="http://schemas.microsoft.com/office/drawing/2014/main" id="{BEE7A1E4-4DF4-CD86-9B58-8E763B0CEEC7}"/>
+                <a16:creationId xmlns:a16="http://schemas.microsoft.com/office/drawing/2014/main" id="{CCB9D344-A357-77B8-AF24-368C8271C140}"/>
               </a:ext>
             </a:extLst>
           </p:cNvPr>
@@ -2286,7 +2286,7 @@
           <p:cNvPr id="4" name="文本占位符 3">
             <a:extLst>
               <a:ext uri="{FF2B5EF4-FFF2-40B4-BE49-F238E27FC236}">
-                <a16:creationId xmlns:a16="http://schemas.microsoft.com/office/drawing/2014/main" id="{F6E761A1-D78F-EAAA-DBA2-6B0CDD97CD33}"/>
+                <a16:creationId xmlns:a16="http://schemas.microsoft.com/office/drawing/2014/main" id="{1CBF6E17-B903-72E1-F994-EE6C6808ADD5}"/>
               </a:ext>
             </a:extLst>
           </p:cNvPr>
@@ -2357,7 +2357,7 @@
           <p:cNvPr id="5" name="日期占位符 4">
             <a:extLst>
               <a:ext uri="{FF2B5EF4-FFF2-40B4-BE49-F238E27FC236}">
-                <a16:creationId xmlns:a16="http://schemas.microsoft.com/office/drawing/2014/main" id="{1AB0B7F2-0895-6954-44FB-CA08AD243085}"/>
+                <a16:creationId xmlns:a16="http://schemas.microsoft.com/office/drawing/2014/main" id="{5AC1B55E-78AE-946B-C1EA-22BDCB83A88E}"/>
               </a:ext>
             </a:extLst>
           </p:cNvPr>
@@ -2373,7 +2373,7 @@
           <a:bodyPr/>
           <a:lstStyle/>
           <a:p>
-            <a:fld id="{35D528AA-1B54-4F7D-AD98-19B9A87813D3}" type="datetimeFigureOut">
+            <a:fld id="{99A7C296-167B-4A83-825F-BFFB69567B5E}" type="datetimeFigureOut">
               <a:rPr lang="zh-CN" altLang="en-US" smtClean="0"/>
               <a:t>2024/3/10</a:t>
             </a:fld>
@@ -2386,7 +2386,7 @@
           <p:cNvPr id="6" name="页脚占位符 5">
             <a:extLst>
               <a:ext uri="{FF2B5EF4-FFF2-40B4-BE49-F238E27FC236}">
-                <a16:creationId xmlns:a16="http://schemas.microsoft.com/office/drawing/2014/main" id="{40D83960-427E-C2FA-E392-3F4A17047834}"/>
+                <a16:creationId xmlns:a16="http://schemas.microsoft.com/office/drawing/2014/main" id="{C385A7F6-23A9-241C-5B11-4A1EA6F2E6D1}"/>
               </a:ext>
             </a:extLst>
           </p:cNvPr>
@@ -2411,7 +2411,7 @@
           <p:cNvPr id="7" name="灯片编号占位符 6">
             <a:extLst>
               <a:ext uri="{FF2B5EF4-FFF2-40B4-BE49-F238E27FC236}">
-                <a16:creationId xmlns:a16="http://schemas.microsoft.com/office/drawing/2014/main" id="{DD88300D-28F4-D878-BAA8-8426F09B5DF9}"/>
+                <a16:creationId xmlns:a16="http://schemas.microsoft.com/office/drawing/2014/main" id="{D5AB439E-688A-234E-82E8-E535928A724E}"/>
               </a:ext>
             </a:extLst>
           </p:cNvPr>
@@ -2427,7 +2427,7 @@
           <a:bodyPr/>
           <a:lstStyle/>
           <a:p>
-            <a:fld id="{202FD6E1-468D-4809-B475-95DCA63BCCD0}" type="slidenum">
+            <a:fld id="{78091F63-E538-46CC-83EB-8E7607DC7508}" type="slidenum">
               <a:rPr lang="zh-CN" altLang="en-US" smtClean="0"/>
               <a:t>‹#›</a:t>
             </a:fld>
@@ -2438,7 +2438,7 @@
     </p:spTree>
     <p:extLst>
       <p:ext uri="{BB962C8B-B14F-4D97-AF65-F5344CB8AC3E}">
-        <p14:creationId xmlns:p14="http://schemas.microsoft.com/office/powerpoint/2010/main" val="1852416520"/>
+        <p14:creationId xmlns:p14="http://schemas.microsoft.com/office/powerpoint/2010/main" val="2801663124"/>
       </p:ext>
     </p:extLst>
   </p:cSld>
@@ -2470,7 +2470,7 @@
           <p:cNvPr id="2" name="标题 1">
             <a:extLst>
               <a:ext uri="{FF2B5EF4-FFF2-40B4-BE49-F238E27FC236}">
-                <a16:creationId xmlns:a16="http://schemas.microsoft.com/office/drawing/2014/main" id="{122914B6-32E8-761C-EAFB-7E52208CC67E}"/>
+                <a16:creationId xmlns:a16="http://schemas.microsoft.com/office/drawing/2014/main" id="{63F9BE01-62E1-2624-BEED-C88B3C9A2C52}"/>
               </a:ext>
             </a:extLst>
           </p:cNvPr>
@@ -2507,7 +2507,7 @@
           <p:cNvPr id="3" name="图片占位符 2">
             <a:extLst>
               <a:ext uri="{FF2B5EF4-FFF2-40B4-BE49-F238E27FC236}">
-                <a16:creationId xmlns:a16="http://schemas.microsoft.com/office/drawing/2014/main" id="{8952E643-C3F7-EF33-41CA-8E7464B36A5C}"/>
+                <a16:creationId xmlns:a16="http://schemas.microsoft.com/office/drawing/2014/main" id="{2C71BA2D-2965-0F5A-78C2-4A2AD7C66D17}"/>
               </a:ext>
             </a:extLst>
           </p:cNvPr>
@@ -2574,7 +2574,7 @@
           <p:cNvPr id="4" name="文本占位符 3">
             <a:extLst>
               <a:ext uri="{FF2B5EF4-FFF2-40B4-BE49-F238E27FC236}">
-                <a16:creationId xmlns:a16="http://schemas.microsoft.com/office/drawing/2014/main" id="{AB2492B3-6E2E-7E52-FA79-A332ED408437}"/>
+                <a16:creationId xmlns:a16="http://schemas.microsoft.com/office/drawing/2014/main" id="{A77BE761-140E-5E0B-0CCE-2904C05F94B0}"/>
               </a:ext>
             </a:extLst>
           </p:cNvPr>
@@ -2645,7 +2645,7 @@
           <p:cNvPr id="5" name="日期占位符 4">
             <a:extLst>
               <a:ext uri="{FF2B5EF4-FFF2-40B4-BE49-F238E27FC236}">
-                <a16:creationId xmlns:a16="http://schemas.microsoft.com/office/drawing/2014/main" id="{5467DB59-95B8-FD53-80AD-34D32A535CE5}"/>
+                <a16:creationId xmlns:a16="http://schemas.microsoft.com/office/drawing/2014/main" id="{9D744FD4-D4F9-9A2B-4AF3-9720672FD852}"/>
               </a:ext>
             </a:extLst>
           </p:cNvPr>
@@ -2661,7 +2661,7 @@
           <a:bodyPr/>
           <a:lstStyle/>
           <a:p>
-            <a:fld id="{35D528AA-1B54-4F7D-AD98-19B9A87813D3}" type="datetimeFigureOut">
+            <a:fld id="{99A7C296-167B-4A83-825F-BFFB69567B5E}" type="datetimeFigureOut">
               <a:rPr lang="zh-CN" altLang="en-US" smtClean="0"/>
               <a:t>2024/3/10</a:t>
             </a:fld>
@@ -2674,7 +2674,7 @@
           <p:cNvPr id="6" name="页脚占位符 5">
             <a:extLst>
               <a:ext uri="{FF2B5EF4-FFF2-40B4-BE49-F238E27FC236}">
-                <a16:creationId xmlns:a16="http://schemas.microsoft.com/office/drawing/2014/main" id="{721DF98D-2877-A15E-BC9E-0B34CB174529}"/>
+                <a16:creationId xmlns:a16="http://schemas.microsoft.com/office/drawing/2014/main" id="{FC4EC5C7-37DA-FA54-14F7-D03B60E5996E}"/>
               </a:ext>
             </a:extLst>
           </p:cNvPr>
@@ -2699,7 +2699,7 @@
           <p:cNvPr id="7" name="灯片编号占位符 6">
             <a:extLst>
               <a:ext uri="{FF2B5EF4-FFF2-40B4-BE49-F238E27FC236}">
-                <a16:creationId xmlns:a16="http://schemas.microsoft.com/office/drawing/2014/main" id="{86EAC96A-4805-B928-7DBF-C2CA82EAAE80}"/>
+                <a16:creationId xmlns:a16="http://schemas.microsoft.com/office/drawing/2014/main" id="{8A5D6905-C31A-0E51-A1F6-5CDD851BFB90}"/>
               </a:ext>
             </a:extLst>
           </p:cNvPr>
@@ -2715,7 +2715,7 @@
           <a:bodyPr/>
           <a:lstStyle/>
           <a:p>
-            <a:fld id="{202FD6E1-468D-4809-B475-95DCA63BCCD0}" type="slidenum">
+            <a:fld id="{78091F63-E538-46CC-83EB-8E7607DC7508}" type="slidenum">
               <a:rPr lang="zh-CN" altLang="en-US" smtClean="0"/>
               <a:t>‹#›</a:t>
             </a:fld>
@@ -2726,7 +2726,7 @@
     </p:spTree>
     <p:extLst>
       <p:ext uri="{BB962C8B-B14F-4D97-AF65-F5344CB8AC3E}">
-        <p14:creationId xmlns:p14="http://schemas.microsoft.com/office/powerpoint/2010/main" val="1565275892"/>
+        <p14:creationId xmlns:p14="http://schemas.microsoft.com/office/powerpoint/2010/main" val="1121624192"/>
       </p:ext>
     </p:extLst>
   </p:cSld>
@@ -2763,7 +2763,7 @@
           <p:cNvPr id="2" name="标题占位符 1">
             <a:extLst>
               <a:ext uri="{FF2B5EF4-FFF2-40B4-BE49-F238E27FC236}">
-                <a16:creationId xmlns:a16="http://schemas.microsoft.com/office/drawing/2014/main" id="{FDB4F9CA-BF43-E6B7-EED5-76D60B86C46D}"/>
+                <a16:creationId xmlns:a16="http://schemas.microsoft.com/office/drawing/2014/main" id="{B0D44001-012E-FC11-F1BC-9AA67C98D300}"/>
               </a:ext>
             </a:extLst>
           </p:cNvPr>
@@ -2801,7 +2801,7 @@
           <p:cNvPr id="3" name="文本占位符 2">
             <a:extLst>
               <a:ext uri="{FF2B5EF4-FFF2-40B4-BE49-F238E27FC236}">
-                <a16:creationId xmlns:a16="http://schemas.microsoft.com/office/drawing/2014/main" id="{5319C398-C335-BAFE-41F6-DC9D180409D7}"/>
+                <a16:creationId xmlns:a16="http://schemas.microsoft.com/office/drawing/2014/main" id="{6297E3DC-457F-AE22-8D9A-F6D11ABB319A}"/>
               </a:ext>
             </a:extLst>
           </p:cNvPr>
@@ -2868,7 +2868,7 @@
           <p:cNvPr id="4" name="日期占位符 3">
             <a:extLst>
               <a:ext uri="{FF2B5EF4-FFF2-40B4-BE49-F238E27FC236}">
-                <a16:creationId xmlns:a16="http://schemas.microsoft.com/office/drawing/2014/main" id="{D581A73F-B5D8-4CF0-FB3F-0C02507C77BC}"/>
+                <a16:creationId xmlns:a16="http://schemas.microsoft.com/office/drawing/2014/main" id="{7BC80982-EBF0-1220-E109-1FE7718FDD08}"/>
               </a:ext>
             </a:extLst>
           </p:cNvPr>
@@ -2902,7 +2902,7 @@
             </a:lvl1pPr>
           </a:lstStyle>
           <a:p>
-            <a:fld id="{35D528AA-1B54-4F7D-AD98-19B9A87813D3}" type="datetimeFigureOut">
+            <a:fld id="{99A7C296-167B-4A83-825F-BFFB69567B5E}" type="datetimeFigureOut">
               <a:rPr lang="zh-CN" altLang="en-US" smtClean="0"/>
               <a:t>2024/3/10</a:t>
             </a:fld>
@@ -2915,7 +2915,7 @@
           <p:cNvPr id="5" name="页脚占位符 4">
             <a:extLst>
               <a:ext uri="{FF2B5EF4-FFF2-40B4-BE49-F238E27FC236}">
-                <a16:creationId xmlns:a16="http://schemas.microsoft.com/office/drawing/2014/main" id="{602C97CB-2204-4BEB-BB66-F5E114405CB3}"/>
+                <a16:creationId xmlns:a16="http://schemas.microsoft.com/office/drawing/2014/main" id="{F9EC805F-7549-BD9A-3780-FBD7109886AC}"/>
               </a:ext>
             </a:extLst>
           </p:cNvPr>
@@ -2958,7 +2958,7 @@
           <p:cNvPr id="6" name="灯片编号占位符 5">
             <a:extLst>
               <a:ext uri="{FF2B5EF4-FFF2-40B4-BE49-F238E27FC236}">
-                <a16:creationId xmlns:a16="http://schemas.microsoft.com/office/drawing/2014/main" id="{13620138-2452-03EC-E6A2-64820DA356EA}"/>
+                <a16:creationId xmlns:a16="http://schemas.microsoft.com/office/drawing/2014/main" id="{B508B9CD-928D-78C8-2CA5-718CDC492B58}"/>
               </a:ext>
             </a:extLst>
           </p:cNvPr>
@@ -2992,7 +2992,7 @@
             </a:lvl1pPr>
           </a:lstStyle>
           <a:p>
-            <a:fld id="{202FD6E1-468D-4809-B475-95DCA63BCCD0}" type="slidenum">
+            <a:fld id="{78091F63-E538-46CC-83EB-8E7607DC7508}" type="slidenum">
               <a:rPr lang="zh-CN" altLang="en-US" smtClean="0"/>
               <a:t>‹#›</a:t>
             </a:fld>
@@ -3003,7 +3003,7 @@
     </p:spTree>
     <p:extLst>
       <p:ext uri="{BB962C8B-B14F-4D97-AF65-F5344CB8AC3E}">
-        <p14:creationId xmlns:p14="http://schemas.microsoft.com/office/powerpoint/2010/main" val="1970611682"/>
+        <p14:creationId xmlns:p14="http://schemas.microsoft.com/office/powerpoint/2010/main" val="148546808"/>
       </p:ext>
     </p:extLst>
   </p:cSld>
